--- a/Report-6-5-程文胜.pptx
+++ b/Report-6-5-程文胜.pptx
@@ -206,7 +206,7 @@
           <a:p>
             <a:fld id="{787C594C-4845-430F-8E14-87CC9113DFED}" type="datetimeFigureOut">
               <a:rPr lang="zh-CN" altLang="en-US" smtClean="0"/>
-              <a:t>2020/6/3</a:t>
+              <a:t>2020/6/6</a:t>
             </a:fld>
             <a:endParaRPr lang="zh-CN" altLang="en-US"/>
           </a:p>
@@ -854,7 +854,7 @@
           <a:p>
             <a:fld id="{47E27B2F-45EF-4723-8F48-7182D792568C}" type="datetimeFigureOut">
               <a:rPr lang="zh-CN" altLang="en-US" smtClean="0"/>
-              <a:t>2020/6/3</a:t>
+              <a:t>2020/6/6</a:t>
             </a:fld>
             <a:endParaRPr lang="zh-CN" altLang="en-US"/>
           </a:p>
@@ -1022,7 +1022,7 @@
           <a:p>
             <a:fld id="{47E27B2F-45EF-4723-8F48-7182D792568C}" type="datetimeFigureOut">
               <a:rPr lang="zh-CN" altLang="en-US" smtClean="0"/>
-              <a:t>2020/6/3</a:t>
+              <a:t>2020/6/6</a:t>
             </a:fld>
             <a:endParaRPr lang="zh-CN" altLang="en-US"/>
           </a:p>
@@ -1200,7 +1200,7 @@
           <a:p>
             <a:fld id="{47E27B2F-45EF-4723-8F48-7182D792568C}" type="datetimeFigureOut">
               <a:rPr lang="zh-CN" altLang="en-US" smtClean="0"/>
-              <a:t>2020/6/3</a:t>
+              <a:t>2020/6/6</a:t>
             </a:fld>
             <a:endParaRPr lang="zh-CN" altLang="en-US"/>
           </a:p>
@@ -1368,7 +1368,7 @@
           <a:p>
             <a:fld id="{47E27B2F-45EF-4723-8F48-7182D792568C}" type="datetimeFigureOut">
               <a:rPr lang="zh-CN" altLang="en-US" smtClean="0"/>
-              <a:t>2020/6/3</a:t>
+              <a:t>2020/6/6</a:t>
             </a:fld>
             <a:endParaRPr lang="zh-CN" altLang="en-US"/>
           </a:p>
@@ -1613,7 +1613,7 @@
           <a:p>
             <a:fld id="{47E27B2F-45EF-4723-8F48-7182D792568C}" type="datetimeFigureOut">
               <a:rPr lang="zh-CN" altLang="en-US" smtClean="0"/>
-              <a:t>2020/6/3</a:t>
+              <a:t>2020/6/6</a:t>
             </a:fld>
             <a:endParaRPr lang="zh-CN" altLang="en-US"/>
           </a:p>
@@ -1842,7 +1842,7 @@
           <a:p>
             <a:fld id="{47E27B2F-45EF-4723-8F48-7182D792568C}" type="datetimeFigureOut">
               <a:rPr lang="zh-CN" altLang="en-US" smtClean="0"/>
-              <a:t>2020/6/3</a:t>
+              <a:t>2020/6/6</a:t>
             </a:fld>
             <a:endParaRPr lang="zh-CN" altLang="en-US"/>
           </a:p>
@@ -2206,7 +2206,7 @@
           <a:p>
             <a:fld id="{47E27B2F-45EF-4723-8F48-7182D792568C}" type="datetimeFigureOut">
               <a:rPr lang="zh-CN" altLang="en-US" smtClean="0"/>
-              <a:t>2020/6/3</a:t>
+              <a:t>2020/6/6</a:t>
             </a:fld>
             <a:endParaRPr lang="zh-CN" altLang="en-US"/>
           </a:p>
@@ -2323,7 +2323,7 @@
           <a:p>
             <a:fld id="{47E27B2F-45EF-4723-8F48-7182D792568C}" type="datetimeFigureOut">
               <a:rPr lang="zh-CN" altLang="en-US" smtClean="0"/>
-              <a:t>2020/6/3</a:t>
+              <a:t>2020/6/6</a:t>
             </a:fld>
             <a:endParaRPr lang="zh-CN" altLang="en-US"/>
           </a:p>
@@ -2418,7 +2418,7 @@
           <a:p>
             <a:fld id="{47E27B2F-45EF-4723-8F48-7182D792568C}" type="datetimeFigureOut">
               <a:rPr lang="zh-CN" altLang="en-US" smtClean="0"/>
-              <a:t>2020/6/3</a:t>
+              <a:t>2020/6/6</a:t>
             </a:fld>
             <a:endParaRPr lang="zh-CN" altLang="en-US"/>
           </a:p>
@@ -2693,7 +2693,7 @@
           <a:p>
             <a:fld id="{47E27B2F-45EF-4723-8F48-7182D792568C}" type="datetimeFigureOut">
               <a:rPr lang="zh-CN" altLang="en-US" smtClean="0"/>
-              <a:t>2020/6/3</a:t>
+              <a:t>2020/6/6</a:t>
             </a:fld>
             <a:endParaRPr lang="zh-CN" altLang="en-US"/>
           </a:p>
@@ -2945,7 +2945,7 @@
           <a:p>
             <a:fld id="{47E27B2F-45EF-4723-8F48-7182D792568C}" type="datetimeFigureOut">
               <a:rPr lang="zh-CN" altLang="en-US" smtClean="0"/>
-              <a:t>2020/6/3</a:t>
+              <a:t>2020/6/6</a:t>
             </a:fld>
             <a:endParaRPr lang="zh-CN" altLang="en-US"/>
           </a:p>
@@ -3156,7 +3156,7 @@
           <a:p>
             <a:fld id="{47E27B2F-45EF-4723-8F48-7182D792568C}" type="datetimeFigureOut">
               <a:rPr lang="zh-CN" altLang="en-US" smtClean="0"/>
-              <a:t>2020/6/3</a:t>
+              <a:t>2020/6/6</a:t>
             </a:fld>
             <a:endParaRPr lang="zh-CN" altLang="en-US"/>
           </a:p>
@@ -4126,8 +4126,38 @@
         </p:blipFill>
         <p:spPr>
           <a:xfrm>
-            <a:off x="1598311" y="2761104"/>
+            <a:off x="1502777" y="2349627"/>
             <a:ext cx="8212214" cy="2138442"/>
+          </a:xfrm>
+          <a:prstGeom prst="rect">
+            <a:avLst/>
+          </a:prstGeom>
+        </p:spPr>
+      </p:pic>
+      <p:pic>
+        <p:nvPicPr>
+          <p:cNvPr id="6" name="图片 5">
+            <a:extLst>
+              <a:ext uri="{FF2B5EF4-FFF2-40B4-BE49-F238E27FC236}">
+                <a16:creationId xmlns:a16="http://schemas.microsoft.com/office/drawing/2014/main" id="{1DBE9095-FE17-4A21-B533-83C2465711A8}"/>
+              </a:ext>
+            </a:extLst>
+          </p:cNvPr>
+          <p:cNvPicPr>
+            <a:picLocks noChangeAspect="1"/>
+          </p:cNvPicPr>
+          <p:nvPr/>
+        </p:nvPicPr>
+        <p:blipFill>
+          <a:blip r:embed="rId4"/>
+          <a:stretch>
+            <a:fillRect/>
+          </a:stretch>
+        </p:blipFill>
+        <p:spPr>
+          <a:xfrm>
+            <a:off x="1241946" y="4488069"/>
+            <a:ext cx="9018956" cy="2317371"/>
           </a:xfrm>
           <a:prstGeom prst="rect">
             <a:avLst/>
